--- a/poster_48x36.pptx
+++ b/poster_48x36.pptx
@@ -11,16 +11,16 @@
   <p:notesSz cx="6858000" cy="9144000"/>
   <p:embeddedFontLst>
     <p:embeddedFont>
-      <p:font typeface="Libre Baskerville" panose="020B0604020202020204" charset="0"/>
-      <p:bold r:id="rId3"/>
+      <p:font typeface="Montserrat Light" panose="020B0604020202020204" charset="0"/>
+      <p:regular r:id="rId3"/>
     </p:embeddedFont>
     <p:embeddedFont>
-      <p:font typeface="Montserrat Light" panose="020B0604020202020204" charset="0"/>
+      <p:font typeface="Sans Serif Collection" panose="020B0502040504020204" pitchFamily="34" charset="0"/>
       <p:regular r:id="rId4"/>
     </p:embeddedFont>
     <p:embeddedFont>
-      <p:font typeface="Sans Serif Collection" panose="020B0502040504020204" pitchFamily="34" charset="0"/>
-      <p:regular r:id="rId5"/>
+      <p:font typeface="Libre Baskerville" panose="020B0604020202020204" charset="0"/>
+      <p:bold r:id="rId5"/>
     </p:embeddedFont>
   </p:embeddedFontLst>
   <p:custDataLst>
@@ -11004,7 +11004,7 @@
           <p:nvPr>
             <p:extLst>
               <p:ext uri="{D42A27DB-BD31-4B8C-83A1-F6EECF244321}">
-                <p14:modId xmlns:p14="http://schemas.microsoft.com/office/powerpoint/2010/main" val="4051006083"/>
+                <p14:modId xmlns:p14="http://schemas.microsoft.com/office/powerpoint/2010/main" val="202127204"/>
               </p:ext>
             </p:extLst>
           </p:nvPr>
@@ -11034,14 +11034,14 @@
                     </a:ext>
                   </a:extLst>
                 </a:gridCol>
-                <a:gridCol w="2051980">
+                <a:gridCol w="1783347">
                   <a:extLst>
                     <a:ext uri="{9D8B030D-6E8A-4147-A177-3AD203B41FA5}">
                       <a16:colId xmlns:a16="http://schemas.microsoft.com/office/drawing/2014/main" val="3565799049"/>
                     </a:ext>
                   </a:extLst>
                 </a:gridCol>
-                <a:gridCol w="1602927">
+                <a:gridCol w="1871560">
                   <a:extLst>
                     <a:ext uri="{9D8B030D-6E8A-4147-A177-3AD203B41FA5}">
                       <a16:colId xmlns:a16="http://schemas.microsoft.com/office/drawing/2014/main" val="3564931040"/>
@@ -11488,8 +11488,12 @@
                     <a:p>
                       <a:pPr algn="l"/>
                       <a:r>
-                        <a:rPr lang="en-US" sz="2800" dirty="0"/>
-                        <a:t>100%</a:t>
+                        <a:rPr lang="sr-Latn-RS" sz="2800" dirty="0" smtClean="0"/>
+                        <a:t>100</a:t>
+                      </a:r>
+                      <a:r>
+                        <a:rPr lang="en-US" sz="2800" dirty="0" smtClean="0"/>
+                        <a:t>%</a:t>
                       </a:r>
                       <a:endParaRPr lang="en-US" sz="2800" dirty="0">
                         <a:latin typeface="Sans Serif Collection" panose="020B0502040504020204" pitchFamily="34" charset="0"/>
@@ -11632,7 +11636,7 @@
                       <a:pPr algn="l"/>
                       <a:r>
                         <a:rPr lang="sr-Latn-RS" sz="2800" dirty="0" smtClean="0"/>
-                        <a:t>100%</a:t>
+                        <a:t>95%</a:t>
                       </a:r>
                       <a:endParaRPr lang="en-US" sz="2800" dirty="0">
                         <a:latin typeface="Sans Serif Collection" panose="020B0502040504020204" pitchFamily="34" charset="0"/>

--- a/poster_48x36.pptx
+++ b/poster_48x36.pptx
@@ -11,16 +11,16 @@
   <p:notesSz cx="6858000" cy="9144000"/>
   <p:embeddedFontLst>
     <p:embeddedFont>
-      <p:font typeface="Montserrat Light" panose="020B0604020202020204" charset="0"/>
-      <p:regular r:id="rId3"/>
+      <p:font typeface="Libre Baskerville" panose="020B0604020202020204" charset="0"/>
+      <p:bold r:id="rId3"/>
     </p:embeddedFont>
     <p:embeddedFont>
       <p:font typeface="Sans Serif Collection" panose="020B0502040504020204" pitchFamily="34" charset="0"/>
       <p:regular r:id="rId4"/>
     </p:embeddedFont>
     <p:embeddedFont>
-      <p:font typeface="Libre Baskerville" panose="020B0604020202020204" charset="0"/>
-      <p:bold r:id="rId5"/>
+      <p:font typeface="Montserrat Light" panose="020B0604020202020204" charset="0"/>
+      <p:regular r:id="rId5"/>
     </p:embeddedFont>
   </p:embeddedFontLst>
   <p:custDataLst>
@@ -9054,20 +9054,12 @@
               </a:lnSpc>
             </a:pPr>
             <a:r>
-              <a:rPr lang="sr-Latn-RS" dirty="0" smtClean="0">
-                <a:latin typeface="Sans Serif Collection" panose="020B0502040504020204" pitchFamily="34" charset="0"/>
-                <a:ea typeface="Sans Serif Collection" panose="020B0502040504020204" pitchFamily="34" charset="0"/>
-                <a:cs typeface="Sans Serif Collection" panose="020B0502040504020204" pitchFamily="34" charset="0"/>
-              </a:rPr>
-              <a:t>Onlajn</a:t>
-            </a:r>
-            <a:r>
-              <a:rPr lang="en-US" dirty="0" smtClean="0">
-                <a:latin typeface="Sans Serif Collection" panose="020B0502040504020204" pitchFamily="34" charset="0"/>
-                <a:ea typeface="Sans Serif Collection" panose="020B0502040504020204" pitchFamily="34" charset="0"/>
-                <a:cs typeface="Sans Serif Collection" panose="020B0502040504020204" pitchFamily="34" charset="0"/>
-              </a:rPr>
-              <a:t> </a:t>
+              <a:rPr lang="en-US" dirty="0">
+                <a:latin typeface="Sans Serif Collection" panose="020B0502040504020204" pitchFamily="34" charset="0"/>
+                <a:ea typeface="Sans Serif Collection" panose="020B0502040504020204" pitchFamily="34" charset="0"/>
+                <a:cs typeface="Sans Serif Collection" panose="020B0502040504020204" pitchFamily="34" charset="0"/>
+              </a:rPr>
+              <a:t>Online </a:t>
             </a:r>
             <a:r>
               <a:rPr lang="en-US" dirty="0" err="1">
@@ -9075,7 +9067,7 @@
                 <a:ea typeface="Sans Serif Collection" panose="020B0502040504020204" pitchFamily="34" charset="0"/>
                 <a:cs typeface="Sans Serif Collection" panose="020B0502040504020204" pitchFamily="34" charset="0"/>
               </a:rPr>
-              <a:t>igranja</a:t>
+              <a:t>igranje</a:t>
             </a:r>
             <a:r>
               <a:rPr lang="en-US" dirty="0">
@@ -9091,6 +9083,22 @@
                 <a:ea typeface="Sans Serif Collection" panose="020B0502040504020204" pitchFamily="34" charset="0"/>
                 <a:cs typeface="Sans Serif Collection" panose="020B0502040504020204" pitchFamily="34" charset="0"/>
               </a:rPr>
+              <a:t>šaha</a:t>
+            </a:r>
+            <a:r>
+              <a:rPr lang="en-US" dirty="0">
+                <a:latin typeface="Sans Serif Collection" panose="020B0502040504020204" pitchFamily="34" charset="0"/>
+                <a:ea typeface="Sans Serif Collection" panose="020B0502040504020204" pitchFamily="34" charset="0"/>
+                <a:cs typeface="Sans Serif Collection" panose="020B0502040504020204" pitchFamily="34" charset="0"/>
+              </a:rPr>
+              <a:t> </a:t>
+            </a:r>
+            <a:r>
+              <a:rPr lang="en-US" dirty="0" err="1">
+                <a:latin typeface="Sans Serif Collection" panose="020B0502040504020204" pitchFamily="34" charset="0"/>
+                <a:ea typeface="Sans Serif Collection" panose="020B0502040504020204" pitchFamily="34" charset="0"/>
+                <a:cs typeface="Sans Serif Collection" panose="020B0502040504020204" pitchFamily="34" charset="0"/>
+              </a:rPr>
               <a:t>i</a:t>
             </a:r>
             <a:r>
@@ -9107,7 +9115,7 @@
                 <a:ea typeface="Sans Serif Collection" panose="020B0502040504020204" pitchFamily="34" charset="0"/>
                 <a:cs typeface="Sans Serif Collection" panose="020B0502040504020204" pitchFamily="34" charset="0"/>
               </a:rPr>
-              <a:t>alata</a:t>
+              <a:t>alati</a:t>
             </a:r>
             <a:r>
               <a:rPr lang="en-US" dirty="0">
@@ -9283,7 +9291,7 @@
                 <a:ea typeface="Sans Serif Collection" panose="020B0502040504020204" pitchFamily="34" charset="0"/>
                 <a:cs typeface="Sans Serif Collection" panose="020B0502040504020204" pitchFamily="34" charset="0"/>
               </a:rPr>
-              <a:t>doprineo</a:t>
+              <a:t>doprineli</a:t>
             </a:r>
             <a:r>
               <a:rPr lang="en-US" dirty="0">
@@ -9291,7 +9299,7 @@
                 <a:ea typeface="Sans Serif Collection" panose="020B0502040504020204" pitchFamily="34" charset="0"/>
                 <a:cs typeface="Sans Serif Collection" panose="020B0502040504020204" pitchFamily="34" charset="0"/>
               </a:rPr>
-              <a:t> je </a:t>
+              <a:t> </a:t>
             </a:r>
             <a:r>
               <a:rPr lang="en-US" dirty="0" err="1">
@@ -9299,6 +9307,22 @@
                 <a:ea typeface="Sans Serif Collection" panose="020B0502040504020204" pitchFamily="34" charset="0"/>
                 <a:cs typeface="Sans Serif Collection" panose="020B0502040504020204" pitchFamily="34" charset="0"/>
               </a:rPr>
+              <a:t>su</a:t>
+            </a:r>
+            <a:r>
+              <a:rPr lang="en-US" dirty="0">
+                <a:latin typeface="Sans Serif Collection" panose="020B0502040504020204" pitchFamily="34" charset="0"/>
+                <a:ea typeface="Sans Serif Collection" panose="020B0502040504020204" pitchFamily="34" charset="0"/>
+                <a:cs typeface="Sans Serif Collection" panose="020B0502040504020204" pitchFamily="34" charset="0"/>
+              </a:rPr>
+              <a:t> </a:t>
+            </a:r>
+            <a:r>
+              <a:rPr lang="en-US" dirty="0" err="1">
+                <a:latin typeface="Sans Serif Collection" panose="020B0502040504020204" pitchFamily="34" charset="0"/>
+                <a:ea typeface="Sans Serif Collection" panose="020B0502040504020204" pitchFamily="34" charset="0"/>
+                <a:cs typeface="Sans Serif Collection" panose="020B0502040504020204" pitchFamily="34" charset="0"/>
+              </a:rPr>
               <a:t>ponovnoj</a:t>
             </a:r>
             <a:r>
@@ -9347,7 +9371,7 @@
                 <a:ea typeface="Sans Serif Collection" panose="020B0502040504020204" pitchFamily="34" charset="0"/>
                 <a:cs typeface="Sans Serif Collection" panose="020B0502040504020204" pitchFamily="34" charset="0"/>
               </a:rPr>
-              <a:t>uz</a:t>
+              <a:t>što</a:t>
             </a:r>
             <a:r>
               <a:rPr lang="en-US" dirty="0">
@@ -9355,7 +9379,7 @@
                 <a:ea typeface="Sans Serif Collection" panose="020B0502040504020204" pitchFamily="34" charset="0"/>
                 <a:cs typeface="Sans Serif Collection" panose="020B0502040504020204" pitchFamily="34" charset="0"/>
               </a:rPr>
-              <a:t> </a:t>
+              <a:t> se </a:t>
             </a:r>
             <a:r>
               <a:rPr lang="en-US" dirty="0" err="1">
@@ -9363,7 +9387,7 @@
                 <a:ea typeface="Sans Serif Collection" panose="020B0502040504020204" pitchFamily="34" charset="0"/>
                 <a:cs typeface="Sans Serif Collection" panose="020B0502040504020204" pitchFamily="34" charset="0"/>
               </a:rPr>
-              <a:t>zabeležene</a:t>
+              <a:t>vidi</a:t>
             </a:r>
             <a:r>
               <a:rPr lang="en-US" dirty="0">
@@ -9379,6 +9403,38 @@
                 <a:ea typeface="Sans Serif Collection" panose="020B0502040504020204" pitchFamily="34" charset="0"/>
                 <a:cs typeface="Sans Serif Collection" panose="020B0502040504020204" pitchFamily="34" charset="0"/>
               </a:rPr>
+              <a:t>kroz</a:t>
+            </a:r>
+            <a:r>
+              <a:rPr lang="en-US" dirty="0">
+                <a:latin typeface="Sans Serif Collection" panose="020B0502040504020204" pitchFamily="34" charset="0"/>
+                <a:ea typeface="Sans Serif Collection" panose="020B0502040504020204" pitchFamily="34" charset="0"/>
+                <a:cs typeface="Sans Serif Collection" panose="020B0502040504020204" pitchFamily="34" charset="0"/>
+              </a:rPr>
+              <a:t> </a:t>
+            </a:r>
+            <a:r>
+              <a:rPr lang="en-US" dirty="0" err="1">
+                <a:latin typeface="Sans Serif Collection" panose="020B0502040504020204" pitchFamily="34" charset="0"/>
+                <a:ea typeface="Sans Serif Collection" panose="020B0502040504020204" pitchFamily="34" charset="0"/>
+                <a:cs typeface="Sans Serif Collection" panose="020B0502040504020204" pitchFamily="34" charset="0"/>
+              </a:rPr>
+              <a:t>nagle</a:t>
+            </a:r>
+            <a:r>
+              <a:rPr lang="en-US" dirty="0">
+                <a:latin typeface="Sans Serif Collection" panose="020B0502040504020204" pitchFamily="34" charset="0"/>
+                <a:ea typeface="Sans Serif Collection" panose="020B0502040504020204" pitchFamily="34" charset="0"/>
+                <a:cs typeface="Sans Serif Collection" panose="020B0502040504020204" pitchFamily="34" charset="0"/>
+              </a:rPr>
+              <a:t> </a:t>
+            </a:r>
+            <a:r>
+              <a:rPr lang="en-US" dirty="0" err="1">
+                <a:latin typeface="Sans Serif Collection" panose="020B0502040504020204" pitchFamily="34" charset="0"/>
+                <a:ea typeface="Sans Serif Collection" panose="020B0502040504020204" pitchFamily="34" charset="0"/>
+                <a:cs typeface="Sans Serif Collection" panose="020B0502040504020204" pitchFamily="34" charset="0"/>
+              </a:rPr>
               <a:t>skokove</a:t>
             </a:r>
             <a:r>
@@ -9427,6 +9483,22 @@
                 <a:ea typeface="Sans Serif Collection" panose="020B0502040504020204" pitchFamily="34" charset="0"/>
                 <a:cs typeface="Sans Serif Collection" panose="020B0502040504020204" pitchFamily="34" charset="0"/>
               </a:rPr>
+              <a:t>godine</a:t>
+            </a:r>
+            <a:r>
+              <a:rPr lang="en-US" dirty="0">
+                <a:latin typeface="Sans Serif Collection" panose="020B0502040504020204" pitchFamily="34" charset="0"/>
+                <a:ea typeface="Sans Serif Collection" panose="020B0502040504020204" pitchFamily="34" charset="0"/>
+                <a:cs typeface="Sans Serif Collection" panose="020B0502040504020204" pitchFamily="34" charset="0"/>
+              </a:rPr>
+              <a:t> </a:t>
+            </a:r>
+            <a:r>
+              <a:rPr lang="en-US" dirty="0" err="1">
+                <a:latin typeface="Sans Serif Collection" panose="020B0502040504020204" pitchFamily="34" charset="0"/>
+                <a:ea typeface="Sans Serif Collection" panose="020B0502040504020204" pitchFamily="34" charset="0"/>
+                <a:cs typeface="Sans Serif Collection" panose="020B0502040504020204" pitchFamily="34" charset="0"/>
+              </a:rPr>
               <a:t>i</a:t>
             </a:r>
             <a:r>
@@ -9467,7 +9539,7 @@
                 <a:ea typeface="Sans Serif Collection" panose="020B0502040504020204" pitchFamily="34" charset="0"/>
                 <a:cs typeface="Sans Serif Collection" panose="020B0502040504020204" pitchFamily="34" charset="0"/>
               </a:rPr>
-              <a:t> 2023.</a:t>
+              <a:t> 2023. </a:t>
             </a:r>
             <a:endParaRPr lang="sr-Latn-RS" dirty="0" smtClean="0">
               <a:latin typeface="Sans Serif Collection" panose="020B0502040504020204" pitchFamily="34" charset="0"/>
